--- a/FIAP-QualidProjSW-Aula13-CRONOGRAMACAO-v2.pptx
+++ b/FIAP-QualidProjSW-Aula13-CRONOGRAMACAO-v2.pptx
@@ -176,6 +176,22 @@
       </a:defRPr>
     </a:lvl9pPr>
   </p:defaultTextStyle>
+  <p:extLst>
+    <p:ext uri="{EFAFB233-063F-42B5-8137-9DF3F51BA10A}">
+      <p15:sldGuideLst xmlns:p15="http://schemas.microsoft.com/office/powerpoint/2012/main">
+        <p15:guide id="1" orient="horz" pos="2160">
+          <p15:clr>
+            <a:srgbClr val="A4A3A4"/>
+          </p15:clr>
+        </p15:guide>
+        <p15:guide id="2" pos="2880">
+          <p15:clr>
+            <a:srgbClr val="A4A3A4"/>
+          </p15:clr>
+        </p15:guide>
+      </p15:sldGuideLst>
+    </p:ext>
+  </p:extLst>
 </p:presentation>
 </file>
 
@@ -261,7 +277,7 @@
           <a:p>
             <a:fld id="{B6D4C934-FEA0-426E-B081-61FE807EA637}" type="datetimeFigureOut">
               <a:rPr lang="pt-BR" smtClean="0"/>
-              <a:t>14/07/2016</a:t>
+              <a:t>09/09/2016</a:t>
             </a:fld>
             <a:endParaRPr lang="pt-BR"/>
           </a:p>
@@ -420,7 +436,7 @@
           <a:p>
             <a:fld id="{F69DE88B-C5FB-4190-8CD8-D803F1201C56}" type="slidenum">
               <a:rPr lang="pt-BR" smtClean="0"/>
-              <a:t>‹nº›</a:t>
+              <a:t>‹#›</a:t>
             </a:fld>
             <a:endParaRPr lang="pt-BR"/>
           </a:p>
@@ -724,7 +740,7 @@
           <a:p>
             <a:fld id="{89C4B140-6DEB-45EB-A5FE-2FE213A19AB6}" type="datetimeFigureOut">
               <a:rPr lang="pt-BR" smtClean="0"/>
-              <a:t>14/07/2016</a:t>
+              <a:t>09/09/2016</a:t>
             </a:fld>
             <a:endParaRPr lang="pt-BR"/>
           </a:p>
@@ -782,7 +798,7 @@
           <a:p>
             <a:fld id="{1BC5D9AF-0A3A-46C6-9823-3468E6F7B9BB}" type="slidenum">
               <a:rPr lang="pt-BR" smtClean="0"/>
-              <a:t>‹nº›</a:t>
+              <a:t>‹#›</a:t>
             </a:fld>
             <a:endParaRPr lang="pt-BR"/>
           </a:p>
@@ -941,7 +957,7 @@
           <a:p>
             <a:fld id="{89C4B140-6DEB-45EB-A5FE-2FE213A19AB6}" type="datetimeFigureOut">
               <a:rPr lang="pt-BR" smtClean="0"/>
-              <a:t>14/07/2016</a:t>
+              <a:t>09/09/2016</a:t>
             </a:fld>
             <a:endParaRPr lang="pt-BR"/>
           </a:p>
@@ -999,7 +1015,7 @@
           <a:p>
             <a:fld id="{1BC5D9AF-0A3A-46C6-9823-3468E6F7B9BB}" type="slidenum">
               <a:rPr lang="pt-BR" smtClean="0"/>
-              <a:t>‹nº›</a:t>
+              <a:t>‹#›</a:t>
             </a:fld>
             <a:endParaRPr lang="pt-BR"/>
           </a:p>
@@ -1151,7 +1167,7 @@
           <a:p>
             <a:fld id="{89C4B140-6DEB-45EB-A5FE-2FE213A19AB6}" type="datetimeFigureOut">
               <a:rPr lang="pt-BR" smtClean="0"/>
-              <a:t>14/07/2016</a:t>
+              <a:t>09/09/2016</a:t>
             </a:fld>
             <a:endParaRPr lang="pt-BR"/>
           </a:p>
@@ -1209,7 +1225,7 @@
           <a:p>
             <a:fld id="{1BC5D9AF-0A3A-46C6-9823-3468E6F7B9BB}" type="slidenum">
               <a:rPr lang="pt-BR" smtClean="0"/>
-              <a:t>‹nº›</a:t>
+              <a:t>‹#›</a:t>
             </a:fld>
             <a:endParaRPr lang="pt-BR"/>
           </a:p>
@@ -1361,7 +1377,7 @@
           <a:p>
             <a:fld id="{89C4B140-6DEB-45EB-A5FE-2FE213A19AB6}" type="datetimeFigureOut">
               <a:rPr lang="pt-BR" smtClean="0"/>
-              <a:t>14/07/2016</a:t>
+              <a:t>09/09/2016</a:t>
             </a:fld>
             <a:endParaRPr lang="pt-BR"/>
           </a:p>
@@ -1419,7 +1435,7 @@
           <a:p>
             <a:fld id="{1BC5D9AF-0A3A-46C6-9823-3468E6F7B9BB}" type="slidenum">
               <a:rPr lang="pt-BR" smtClean="0"/>
-              <a:t>‹nº›</a:t>
+              <a:t>‹#›</a:t>
             </a:fld>
             <a:endParaRPr lang="pt-BR"/>
           </a:p>
@@ -1637,7 +1653,7 @@
           <a:p>
             <a:fld id="{89C4B140-6DEB-45EB-A5FE-2FE213A19AB6}" type="datetimeFigureOut">
               <a:rPr lang="pt-BR" smtClean="0"/>
-              <a:t>14/07/2016</a:t>
+              <a:t>09/09/2016</a:t>
             </a:fld>
             <a:endParaRPr lang="pt-BR"/>
           </a:p>
@@ -1695,7 +1711,7 @@
           <a:p>
             <a:fld id="{1BC5D9AF-0A3A-46C6-9823-3468E6F7B9BB}" type="slidenum">
               <a:rPr lang="pt-BR" smtClean="0"/>
-              <a:t>‹nº›</a:t>
+              <a:t>‹#›</a:t>
             </a:fld>
             <a:endParaRPr lang="pt-BR"/>
           </a:p>
@@ -1963,7 +1979,7 @@
           <a:p>
             <a:fld id="{89C4B140-6DEB-45EB-A5FE-2FE213A19AB6}" type="datetimeFigureOut">
               <a:rPr lang="pt-BR" smtClean="0"/>
-              <a:t>14/07/2016</a:t>
+              <a:t>09/09/2016</a:t>
             </a:fld>
             <a:endParaRPr lang="pt-BR"/>
           </a:p>
@@ -2021,7 +2037,7 @@
           <a:p>
             <a:fld id="{1BC5D9AF-0A3A-46C6-9823-3468E6F7B9BB}" type="slidenum">
               <a:rPr lang="pt-BR" smtClean="0"/>
-              <a:t>‹nº›</a:t>
+              <a:t>‹#›</a:t>
             </a:fld>
             <a:endParaRPr lang="pt-BR"/>
           </a:p>
@@ -2429,7 +2445,7 @@
           <a:p>
             <a:fld id="{89C4B140-6DEB-45EB-A5FE-2FE213A19AB6}" type="datetimeFigureOut">
               <a:rPr lang="pt-BR" smtClean="0"/>
-              <a:t>14/07/2016</a:t>
+              <a:t>09/09/2016</a:t>
             </a:fld>
             <a:endParaRPr lang="pt-BR"/>
           </a:p>
@@ -2487,7 +2503,7 @@
           <a:p>
             <a:fld id="{1BC5D9AF-0A3A-46C6-9823-3468E6F7B9BB}" type="slidenum">
               <a:rPr lang="pt-BR" smtClean="0"/>
-              <a:t>‹nº›</a:t>
+              <a:t>‹#›</a:t>
             </a:fld>
             <a:endParaRPr lang="pt-BR"/>
           </a:p>
@@ -2579,7 +2595,7 @@
           <a:p>
             <a:fld id="{89C4B140-6DEB-45EB-A5FE-2FE213A19AB6}" type="datetimeFigureOut">
               <a:rPr lang="pt-BR" smtClean="0"/>
-              <a:t>14/07/2016</a:t>
+              <a:t>09/09/2016</a:t>
             </a:fld>
             <a:endParaRPr lang="pt-BR"/>
           </a:p>
@@ -2637,7 +2653,7 @@
           <a:p>
             <a:fld id="{1BC5D9AF-0A3A-46C6-9823-3468E6F7B9BB}" type="slidenum">
               <a:rPr lang="pt-BR" smtClean="0"/>
-              <a:t>‹nº›</a:t>
+              <a:t>‹#›</a:t>
             </a:fld>
             <a:endParaRPr lang="pt-BR"/>
           </a:p>
@@ -2698,7 +2714,7 @@
           <a:p>
             <a:fld id="{89C4B140-6DEB-45EB-A5FE-2FE213A19AB6}" type="datetimeFigureOut">
               <a:rPr lang="pt-BR" smtClean="0"/>
-              <a:t>14/07/2016</a:t>
+              <a:t>09/09/2016</a:t>
             </a:fld>
             <a:endParaRPr lang="pt-BR"/>
           </a:p>
@@ -2756,7 +2772,7 @@
           <a:p>
             <a:fld id="{1BC5D9AF-0A3A-46C6-9823-3468E6F7B9BB}" type="slidenum">
               <a:rPr lang="pt-BR" smtClean="0"/>
-              <a:t>‹nº›</a:t>
+              <a:t>‹#›</a:t>
             </a:fld>
             <a:endParaRPr lang="pt-BR"/>
           </a:p>
@@ -3008,7 +3024,7 @@
           <a:p>
             <a:fld id="{89C4B140-6DEB-45EB-A5FE-2FE213A19AB6}" type="datetimeFigureOut">
               <a:rPr lang="pt-BR" smtClean="0"/>
-              <a:t>14/07/2016</a:t>
+              <a:t>09/09/2016</a:t>
             </a:fld>
             <a:endParaRPr lang="pt-BR"/>
           </a:p>
@@ -3066,7 +3082,7 @@
           <a:p>
             <a:fld id="{1BC5D9AF-0A3A-46C6-9823-3468E6F7B9BB}" type="slidenum">
               <a:rPr lang="pt-BR" smtClean="0"/>
-              <a:t>‹nº›</a:t>
+              <a:t>‹#›</a:t>
             </a:fld>
             <a:endParaRPr lang="pt-BR"/>
           </a:p>
@@ -3294,7 +3310,7 @@
           <a:p>
             <a:fld id="{89C4B140-6DEB-45EB-A5FE-2FE213A19AB6}" type="datetimeFigureOut">
               <a:rPr lang="pt-BR" smtClean="0"/>
-              <a:t>14/07/2016</a:t>
+              <a:t>09/09/2016</a:t>
             </a:fld>
             <a:endParaRPr lang="pt-BR"/>
           </a:p>
@@ -3352,7 +3368,7 @@
           <a:p>
             <a:fld id="{1BC5D9AF-0A3A-46C6-9823-3468E6F7B9BB}" type="slidenum">
               <a:rPr lang="pt-BR" smtClean="0"/>
-              <a:t>‹nº›</a:t>
+              <a:t>‹#›</a:t>
             </a:fld>
             <a:endParaRPr lang="pt-BR"/>
           </a:p>
@@ -4069,10 +4085,10 @@
           </a:p>
           <a:p>
             <a:r>
-              <a:rPr lang="pt-BR" b="1" dirty="0" smtClean="0">
+              <a:rPr lang="pt-BR" b="1" smtClean="0">
                 <a:latin typeface="Calibri" panose="020F0502020204030204" pitchFamily="34" charset="0"/>
               </a:rPr>
-              <a:t>13 </a:t>
+              <a:t>XX </a:t>
             </a:r>
             <a:r>
               <a:rPr lang="pt-BR" sz="1800" b="1" dirty="0" smtClean="0">
